--- a/proposal/figures/software-stack.pptx
+++ b/proposal/figures/software-stack.pptx
@@ -243,7 +243,7 @@
           <a:p>
             <a:fld id="{05188CE3-AAA7-4BC6-8FE6-5597C4BD048E}" type="datetimeFigureOut">
               <a:rPr lang="en-US" smtClean="0"/>
-              <a:t>5/4/2018</a:t>
+              <a:t>5/22/2018</a:t>
             </a:fld>
             <a:endParaRPr lang="en-US"/>
           </a:p>
@@ -413,7 +413,7 @@
           <a:p>
             <a:fld id="{05188CE3-AAA7-4BC6-8FE6-5597C4BD048E}" type="datetimeFigureOut">
               <a:rPr lang="en-US" smtClean="0"/>
-              <a:t>5/4/2018</a:t>
+              <a:t>5/22/2018</a:t>
             </a:fld>
             <a:endParaRPr lang="en-US"/>
           </a:p>
@@ -593,7 +593,7 @@
           <a:p>
             <a:fld id="{05188CE3-AAA7-4BC6-8FE6-5597C4BD048E}" type="datetimeFigureOut">
               <a:rPr lang="en-US" smtClean="0"/>
-              <a:t>5/4/2018</a:t>
+              <a:t>5/22/2018</a:t>
             </a:fld>
             <a:endParaRPr lang="en-US"/>
           </a:p>
@@ -763,7 +763,7 @@
           <a:p>
             <a:fld id="{05188CE3-AAA7-4BC6-8FE6-5597C4BD048E}" type="datetimeFigureOut">
               <a:rPr lang="en-US" smtClean="0"/>
-              <a:t>5/4/2018</a:t>
+              <a:t>5/22/2018</a:t>
             </a:fld>
             <a:endParaRPr lang="en-US"/>
           </a:p>
@@ -1009,7 +1009,7 @@
           <a:p>
             <a:fld id="{05188CE3-AAA7-4BC6-8FE6-5597C4BD048E}" type="datetimeFigureOut">
               <a:rPr lang="en-US" smtClean="0"/>
-              <a:t>5/4/2018</a:t>
+              <a:t>5/22/2018</a:t>
             </a:fld>
             <a:endParaRPr lang="en-US"/>
           </a:p>
@@ -1241,7 +1241,7 @@
           <a:p>
             <a:fld id="{05188CE3-AAA7-4BC6-8FE6-5597C4BD048E}" type="datetimeFigureOut">
               <a:rPr lang="en-US" smtClean="0"/>
-              <a:t>5/4/2018</a:t>
+              <a:t>5/22/2018</a:t>
             </a:fld>
             <a:endParaRPr lang="en-US"/>
           </a:p>
@@ -1608,7 +1608,7 @@
           <a:p>
             <a:fld id="{05188CE3-AAA7-4BC6-8FE6-5597C4BD048E}" type="datetimeFigureOut">
               <a:rPr lang="en-US" smtClean="0"/>
-              <a:t>5/4/2018</a:t>
+              <a:t>5/22/2018</a:t>
             </a:fld>
             <a:endParaRPr lang="en-US"/>
           </a:p>
@@ -1726,7 +1726,7 @@
           <a:p>
             <a:fld id="{05188CE3-AAA7-4BC6-8FE6-5597C4BD048E}" type="datetimeFigureOut">
               <a:rPr lang="en-US" smtClean="0"/>
-              <a:t>5/4/2018</a:t>
+              <a:t>5/22/2018</a:t>
             </a:fld>
             <a:endParaRPr lang="en-US"/>
           </a:p>
@@ -1821,7 +1821,7 @@
           <a:p>
             <a:fld id="{05188CE3-AAA7-4BC6-8FE6-5597C4BD048E}" type="datetimeFigureOut">
               <a:rPr lang="en-US" smtClean="0"/>
-              <a:t>5/4/2018</a:t>
+              <a:t>5/22/2018</a:t>
             </a:fld>
             <a:endParaRPr lang="en-US"/>
           </a:p>
@@ -2098,7 +2098,7 @@
           <a:p>
             <a:fld id="{05188CE3-AAA7-4BC6-8FE6-5597C4BD048E}" type="datetimeFigureOut">
               <a:rPr lang="en-US" smtClean="0"/>
-              <a:t>5/4/2018</a:t>
+              <a:t>5/22/2018</a:t>
             </a:fld>
             <a:endParaRPr lang="en-US"/>
           </a:p>
@@ -2351,7 +2351,7 @@
           <a:p>
             <a:fld id="{05188CE3-AAA7-4BC6-8FE6-5597C4BD048E}" type="datetimeFigureOut">
               <a:rPr lang="en-US" smtClean="0"/>
-              <a:t>5/4/2018</a:t>
+              <a:t>5/22/2018</a:t>
             </a:fld>
             <a:endParaRPr lang="en-US"/>
           </a:p>
@@ -2564,7 +2564,7 @@
           <a:p>
             <a:fld id="{05188CE3-AAA7-4BC6-8FE6-5597C4BD048E}" type="datetimeFigureOut">
               <a:rPr lang="en-US" smtClean="0"/>
-              <a:t>5/4/2018</a:t>
+              <a:t>5/22/2018</a:t>
             </a:fld>
             <a:endParaRPr lang="en-US"/>
           </a:p>
@@ -2977,7 +2977,7 @@
         </p:nvSpPr>
         <p:spPr>
           <a:xfrm>
-            <a:off x="1097893" y="4960540"/>
+            <a:off x="1897993" y="4960540"/>
             <a:ext cx="4247056" cy="1462403"/>
           </a:xfrm>
           <a:prstGeom prst="roundRect">
@@ -3031,7 +3031,7 @@
         </p:nvSpPr>
         <p:spPr>
           <a:xfrm>
-            <a:off x="1117600" y="6102210"/>
+            <a:off x="1917700" y="6102210"/>
             <a:ext cx="2118319" cy="369332"/>
           </a:xfrm>
           <a:prstGeom prst="rect">
@@ -3048,236 +3048,6 @@
             <a:r>
               <a:rPr lang="en-US" dirty="0" smtClean="0"/>
               <a:t>Flash Drive</a:t>
-            </a:r>
-            <a:endParaRPr lang="en-US" dirty="0"/>
-          </a:p>
-        </p:txBody>
-      </p:sp>
-      <p:sp>
-        <p:nvSpPr>
-          <p:cNvPr id="14" name="Rounded Rectangle 13"/>
-          <p:cNvSpPr/>
-          <p:nvPr/>
-        </p:nvSpPr>
-        <p:spPr>
-          <a:xfrm>
-            <a:off x="1117600" y="1520351"/>
-            <a:ext cx="4227348" cy="3013549"/>
-          </a:xfrm>
-          <a:prstGeom prst="roundRect">
-            <a:avLst>
-              <a:gd name="adj" fmla="val 5655"/>
-            </a:avLst>
-          </a:prstGeom>
-          <a:solidFill>
-            <a:schemeClr val="bg1"/>
-          </a:solidFill>
-          <a:ln>
-            <a:solidFill>
-              <a:schemeClr val="tx1"/>
-            </a:solidFill>
-            <a:headEnd type="none" w="med" len="med"/>
-            <a:tailEnd type="none" w="med" len="med"/>
-          </a:ln>
-        </p:spPr>
-        <p:style>
-          <a:lnRef idx="0">
-            <a:schemeClr val="accent3"/>
-          </a:lnRef>
-          <a:fillRef idx="3">
-            <a:schemeClr val="accent3"/>
-          </a:fillRef>
-          <a:effectRef idx="3">
-            <a:schemeClr val="accent3"/>
-          </a:effectRef>
-          <a:fontRef idx="minor">
-            <a:schemeClr val="lt1"/>
-          </a:fontRef>
-        </p:style>
-        <p:txBody>
-          <a:bodyPr rtlCol="0" anchor="ctr"/>
-          <a:lstStyle/>
-          <a:p>
-            <a:pPr algn="ctr"/>
-            <a:endParaRPr lang="en-US" dirty="0">
-              <a:solidFill>
-                <a:schemeClr val="tx1"/>
-              </a:solidFill>
-            </a:endParaRPr>
-          </a:p>
-        </p:txBody>
-      </p:sp>
-      <p:sp>
-        <p:nvSpPr>
-          <p:cNvPr id="12" name="Rounded Rectangle 11"/>
-          <p:cNvSpPr/>
-          <p:nvPr/>
-        </p:nvSpPr>
-        <p:spPr>
-          <a:xfrm>
-            <a:off x="1213945" y="3005999"/>
-            <a:ext cx="4014952" cy="551785"/>
-          </a:xfrm>
-          <a:prstGeom prst="roundRect">
-            <a:avLst/>
-          </a:prstGeom>
-          <a:ln>
-            <a:headEnd type="none" w="med" len="med"/>
-            <a:tailEnd type="none" w="med" len="med"/>
-          </a:ln>
-        </p:spPr>
-        <p:style>
-          <a:lnRef idx="0">
-            <a:schemeClr val="accent3"/>
-          </a:lnRef>
-          <a:fillRef idx="3">
-            <a:schemeClr val="accent3"/>
-          </a:fillRef>
-          <a:effectRef idx="3">
-            <a:schemeClr val="accent3"/>
-          </a:effectRef>
-          <a:fontRef idx="minor">
-            <a:schemeClr val="lt1"/>
-          </a:fontRef>
-        </p:style>
-        <p:txBody>
-          <a:bodyPr rtlCol="0" anchor="ctr"/>
-          <a:lstStyle/>
-          <a:p>
-            <a:pPr algn="ctr"/>
-            <a:r>
-              <a:rPr lang="en-US" dirty="0" smtClean="0"/>
-              <a:t>Query Optimizer</a:t>
-            </a:r>
-            <a:endParaRPr lang="en-US" dirty="0"/>
-          </a:p>
-        </p:txBody>
-      </p:sp>
-      <p:sp>
-        <p:nvSpPr>
-          <p:cNvPr id="7" name="Rounded Rectangle 6"/>
-          <p:cNvSpPr/>
-          <p:nvPr/>
-        </p:nvSpPr>
-        <p:spPr>
-          <a:xfrm>
-            <a:off x="1213945" y="3662863"/>
-            <a:ext cx="4014952" cy="551785"/>
-          </a:xfrm>
-          <a:prstGeom prst="roundRect">
-            <a:avLst/>
-          </a:prstGeom>
-        </p:spPr>
-        <p:style>
-          <a:lnRef idx="0">
-            <a:schemeClr val="accent5"/>
-          </a:lnRef>
-          <a:fillRef idx="3">
-            <a:schemeClr val="accent5"/>
-          </a:fillRef>
-          <a:effectRef idx="3">
-            <a:schemeClr val="accent5"/>
-          </a:effectRef>
-          <a:fontRef idx="minor">
-            <a:schemeClr val="lt1"/>
-          </a:fontRef>
-        </p:style>
-        <p:txBody>
-          <a:bodyPr rtlCol="0" anchor="ctr"/>
-          <a:lstStyle/>
-          <a:p>
-            <a:pPr algn="ctr"/>
-            <a:r>
-              <a:rPr lang="en-US" dirty="0" smtClean="0"/>
-              <a:t>Query Executor</a:t>
-            </a:r>
-            <a:endParaRPr lang="en-US" dirty="0"/>
-          </a:p>
-        </p:txBody>
-      </p:sp>
-      <p:sp>
-        <p:nvSpPr>
-          <p:cNvPr id="9" name="Rounded Rectangle 8"/>
-          <p:cNvSpPr/>
-          <p:nvPr/>
-        </p:nvSpPr>
-        <p:spPr>
-          <a:xfrm>
-            <a:off x="1213945" y="2333340"/>
-            <a:ext cx="4014952" cy="551785"/>
-          </a:xfrm>
-          <a:prstGeom prst="roundRect">
-            <a:avLst/>
-          </a:prstGeom>
-        </p:spPr>
-        <p:style>
-          <a:lnRef idx="2">
-            <a:schemeClr val="accent6">
-              <a:shade val="50000"/>
-            </a:schemeClr>
-          </a:lnRef>
-          <a:fillRef idx="1">
-            <a:schemeClr val="accent6"/>
-          </a:fillRef>
-          <a:effectRef idx="0">
-            <a:schemeClr val="accent6"/>
-          </a:effectRef>
-          <a:fontRef idx="minor">
-            <a:schemeClr val="lt1"/>
-          </a:fontRef>
-        </p:style>
-        <p:txBody>
-          <a:bodyPr rtlCol="0" anchor="ctr"/>
-          <a:lstStyle/>
-          <a:p>
-            <a:pPr algn="ctr"/>
-            <a:r>
-              <a:rPr lang="en-US" dirty="0" smtClean="0"/>
-              <a:t>Query Rewriter</a:t>
-            </a:r>
-            <a:endParaRPr lang="en-US" dirty="0"/>
-          </a:p>
-        </p:txBody>
-      </p:sp>
-      <p:sp>
-        <p:nvSpPr>
-          <p:cNvPr id="10" name="Rounded Rectangle 9"/>
-          <p:cNvSpPr/>
-          <p:nvPr/>
-        </p:nvSpPr>
-        <p:spPr>
-          <a:xfrm>
-            <a:off x="1213945" y="1684302"/>
-            <a:ext cx="4014952" cy="551785"/>
-          </a:xfrm>
-          <a:prstGeom prst="roundRect">
-            <a:avLst/>
-          </a:prstGeom>
-        </p:spPr>
-        <p:style>
-          <a:lnRef idx="2">
-            <a:schemeClr val="accent2">
-              <a:shade val="50000"/>
-            </a:schemeClr>
-          </a:lnRef>
-          <a:fillRef idx="1">
-            <a:schemeClr val="accent2"/>
-          </a:fillRef>
-          <a:effectRef idx="0">
-            <a:schemeClr val="accent2"/>
-          </a:effectRef>
-          <a:fontRef idx="minor">
-            <a:schemeClr val="lt1"/>
-          </a:fontRef>
-        </p:style>
-        <p:txBody>
-          <a:bodyPr rtlCol="0" anchor="ctr"/>
-          <a:lstStyle/>
-          <a:p>
-            <a:pPr algn="ctr"/>
-            <a:r>
-              <a:rPr lang="en-US" dirty="0" smtClean="0"/>
-              <a:t>Query Parser</a:t>
             </a:r>
             <a:endParaRPr lang="en-US" dirty="0"/>
           </a:p>
@@ -3291,7 +3061,7 @@
         </p:nvCxnSpPr>
         <p:spPr>
           <a:xfrm>
-            <a:off x="3221421" y="1277007"/>
+            <a:off x="3945541" y="1728441"/>
             <a:ext cx="0" cy="407295"/>
           </a:xfrm>
           <a:prstGeom prst="straightConnector1">
@@ -3325,7 +3095,7 @@
         </p:nvSpPr>
         <p:spPr>
           <a:xfrm>
-            <a:off x="2444092" y="905916"/>
+            <a:off x="3146332" y="1420928"/>
             <a:ext cx="1574363" cy="369332"/>
           </a:xfrm>
           <a:prstGeom prst="rect">
@@ -3348,36 +3118,295 @@
           </a:p>
         </p:txBody>
       </p:sp>
-      <p:sp>
-        <p:nvSpPr>
-          <p:cNvPr id="5" name="TextBox 4"/>
-          <p:cNvSpPr txBox="1"/>
+      <p:grpSp>
+        <p:nvGrpSpPr>
+          <p:cNvPr id="2" name="Group 1"/>
+          <p:cNvGrpSpPr/>
           <p:nvPr/>
-        </p:nvSpPr>
-        <p:spPr>
+        </p:nvGrpSpPr>
+        <p:grpSpPr>
           <a:xfrm>
-            <a:off x="1097892" y="4200196"/>
-            <a:ext cx="2699407" cy="369332"/>
+            <a:off x="2904408" y="2119886"/>
+            <a:ext cx="2067853" cy="2264772"/>
+            <a:chOff x="1117600" y="1520351"/>
+            <a:chExt cx="4227348" cy="3098806"/>
           </a:xfrm>
-          <a:prstGeom prst="rect">
-            <a:avLst/>
-          </a:prstGeom>
-          <a:noFill/>
-        </p:spPr>
-        <p:txBody>
-          <a:bodyPr wrap="square" rtlCol="0">
-            <a:spAutoFit/>
-          </a:bodyPr>
-          <a:lstStyle/>
-          <a:p>
-            <a:r>
-              <a:rPr lang="en-US" dirty="0" smtClean="0"/>
-              <a:t>Query Processor Software</a:t>
-            </a:r>
-            <a:endParaRPr lang="en-US" dirty="0"/>
-          </a:p>
-        </p:txBody>
-      </p:sp>
+        </p:grpSpPr>
+        <p:sp>
+          <p:nvSpPr>
+            <p:cNvPr id="14" name="Rounded Rectangle 13"/>
+            <p:cNvSpPr/>
+            <p:nvPr/>
+          </p:nvSpPr>
+          <p:spPr>
+            <a:xfrm>
+              <a:off x="1117600" y="1520351"/>
+              <a:ext cx="4227348" cy="3013549"/>
+            </a:xfrm>
+            <a:prstGeom prst="roundRect">
+              <a:avLst>
+                <a:gd name="adj" fmla="val 5655"/>
+              </a:avLst>
+            </a:prstGeom>
+            <a:solidFill>
+              <a:schemeClr val="bg1"/>
+            </a:solidFill>
+            <a:ln>
+              <a:solidFill>
+                <a:schemeClr val="tx1"/>
+              </a:solidFill>
+              <a:headEnd type="none" w="med" len="med"/>
+              <a:tailEnd type="none" w="med" len="med"/>
+            </a:ln>
+          </p:spPr>
+          <p:style>
+            <a:lnRef idx="0">
+              <a:schemeClr val="accent3"/>
+            </a:lnRef>
+            <a:fillRef idx="3">
+              <a:schemeClr val="accent3"/>
+            </a:fillRef>
+            <a:effectRef idx="3">
+              <a:schemeClr val="accent3"/>
+            </a:effectRef>
+            <a:fontRef idx="minor">
+              <a:schemeClr val="lt1"/>
+            </a:fontRef>
+          </p:style>
+          <p:txBody>
+            <a:bodyPr rtlCol="0" anchor="ctr"/>
+            <a:lstStyle/>
+            <a:p>
+              <a:pPr algn="ctr"/>
+              <a:endParaRPr lang="en-US" dirty="0">
+                <a:solidFill>
+                  <a:schemeClr val="tx1"/>
+                </a:solidFill>
+              </a:endParaRPr>
+            </a:p>
+          </p:txBody>
+        </p:sp>
+        <p:sp>
+          <p:nvSpPr>
+            <p:cNvPr id="12" name="Rounded Rectangle 11"/>
+            <p:cNvSpPr/>
+            <p:nvPr/>
+          </p:nvSpPr>
+          <p:spPr>
+            <a:xfrm>
+              <a:off x="1213945" y="3005999"/>
+              <a:ext cx="4014952" cy="551785"/>
+            </a:xfrm>
+            <a:prstGeom prst="roundRect">
+              <a:avLst/>
+            </a:prstGeom>
+            <a:solidFill>
+              <a:schemeClr val="accent3"/>
+            </a:solidFill>
+            <a:ln>
+              <a:noFill/>
+            </a:ln>
+          </p:spPr>
+          <p:style>
+            <a:lnRef idx="0">
+              <a:scrgbClr r="0" g="0" b="0"/>
+            </a:lnRef>
+            <a:fillRef idx="0">
+              <a:scrgbClr r="0" g="0" b="0"/>
+            </a:fillRef>
+            <a:effectRef idx="0">
+              <a:scrgbClr r="0" g="0" b="0"/>
+            </a:effectRef>
+            <a:fontRef idx="minor">
+              <a:schemeClr val="lt1"/>
+            </a:fontRef>
+          </p:style>
+          <p:txBody>
+            <a:bodyPr rtlCol="0" anchor="ctr"/>
+            <a:lstStyle/>
+            <a:p>
+              <a:pPr algn="ctr"/>
+              <a:r>
+                <a:rPr lang="en-US" dirty="0"/>
+                <a:t>Query Optimizer</a:t>
+              </a:r>
+              <a:endParaRPr lang="en-US" dirty="0"/>
+            </a:p>
+          </p:txBody>
+        </p:sp>
+        <p:sp>
+          <p:nvSpPr>
+            <p:cNvPr id="7" name="Rounded Rectangle 6"/>
+            <p:cNvSpPr/>
+            <p:nvPr/>
+          </p:nvSpPr>
+          <p:spPr>
+            <a:xfrm>
+              <a:off x="1213945" y="3662863"/>
+              <a:ext cx="4014952" cy="551785"/>
+            </a:xfrm>
+            <a:prstGeom prst="roundRect">
+              <a:avLst/>
+            </a:prstGeom>
+          </p:spPr>
+          <p:style>
+            <a:lnRef idx="1">
+              <a:schemeClr val="accent3"/>
+            </a:lnRef>
+            <a:fillRef idx="3">
+              <a:schemeClr val="accent3"/>
+            </a:fillRef>
+            <a:effectRef idx="2">
+              <a:schemeClr val="accent3"/>
+            </a:effectRef>
+            <a:fontRef idx="minor">
+              <a:schemeClr val="lt1"/>
+            </a:fontRef>
+          </p:style>
+          <p:txBody>
+            <a:bodyPr rtlCol="0" anchor="ctr"/>
+            <a:lstStyle/>
+            <a:p>
+              <a:pPr algn="ctr"/>
+              <a:r>
+                <a:rPr lang="en-US" dirty="0" smtClean="0"/>
+                <a:t>Query Executor</a:t>
+              </a:r>
+              <a:endParaRPr lang="en-US" dirty="0"/>
+            </a:p>
+          </p:txBody>
+        </p:sp>
+        <p:sp>
+          <p:nvSpPr>
+            <p:cNvPr id="9" name="Rounded Rectangle 8"/>
+            <p:cNvSpPr/>
+            <p:nvPr/>
+          </p:nvSpPr>
+          <p:spPr>
+            <a:xfrm>
+              <a:off x="1213945" y="2333340"/>
+              <a:ext cx="4014952" cy="551785"/>
+            </a:xfrm>
+            <a:prstGeom prst="roundRect">
+              <a:avLst/>
+            </a:prstGeom>
+            <a:solidFill>
+              <a:schemeClr val="accent3"/>
+            </a:solidFill>
+            <a:ln>
+              <a:noFill/>
+            </a:ln>
+          </p:spPr>
+          <p:style>
+            <a:lnRef idx="0">
+              <a:scrgbClr r="0" g="0" b="0"/>
+            </a:lnRef>
+            <a:fillRef idx="0">
+              <a:scrgbClr r="0" g="0" b="0"/>
+            </a:fillRef>
+            <a:effectRef idx="0">
+              <a:scrgbClr r="0" g="0" b="0"/>
+            </a:effectRef>
+            <a:fontRef idx="minor">
+              <a:schemeClr val="lt1"/>
+            </a:fontRef>
+          </p:style>
+          <p:txBody>
+            <a:bodyPr rtlCol="0" anchor="ctr"/>
+            <a:lstStyle/>
+            <a:p>
+              <a:pPr algn="ctr"/>
+              <a:r>
+                <a:rPr lang="en-US" dirty="0"/>
+                <a:t>Query Rewriter</a:t>
+              </a:r>
+              <a:endParaRPr lang="en-US" dirty="0"/>
+            </a:p>
+          </p:txBody>
+        </p:sp>
+        <p:sp>
+          <p:nvSpPr>
+            <p:cNvPr id="10" name="Rounded Rectangle 9"/>
+            <p:cNvSpPr/>
+            <p:nvPr/>
+          </p:nvSpPr>
+          <p:spPr>
+            <a:xfrm>
+              <a:off x="1213945" y="1684302"/>
+              <a:ext cx="4014952" cy="551785"/>
+            </a:xfrm>
+            <a:prstGeom prst="roundRect">
+              <a:avLst/>
+            </a:prstGeom>
+            <a:solidFill>
+              <a:schemeClr val="accent3"/>
+            </a:solidFill>
+            <a:ln>
+              <a:noFill/>
+            </a:ln>
+          </p:spPr>
+          <p:style>
+            <a:lnRef idx="0">
+              <a:scrgbClr r="0" g="0" b="0"/>
+            </a:lnRef>
+            <a:fillRef idx="0">
+              <a:scrgbClr r="0" g="0" b="0"/>
+            </a:fillRef>
+            <a:effectRef idx="0">
+              <a:scrgbClr r="0" g="0" b="0"/>
+            </a:effectRef>
+            <a:fontRef idx="minor">
+              <a:schemeClr val="lt1"/>
+            </a:fontRef>
+          </p:style>
+          <p:txBody>
+            <a:bodyPr rtlCol="0" anchor="ctr"/>
+            <a:lstStyle/>
+            <a:p>
+              <a:pPr algn="ctr"/>
+              <a:r>
+                <a:rPr lang="en-US" dirty="0" smtClean="0"/>
+                <a:t>Query Parser</a:t>
+              </a:r>
+              <a:endParaRPr lang="en-US" dirty="0"/>
+            </a:p>
+          </p:txBody>
+        </p:sp>
+        <p:sp>
+          <p:nvSpPr>
+            <p:cNvPr id="5" name="TextBox 4"/>
+            <p:cNvSpPr txBox="1"/>
+            <p:nvPr/>
+          </p:nvSpPr>
+          <p:spPr>
+            <a:xfrm>
+              <a:off x="1143295" y="4113813"/>
+              <a:ext cx="3394453" cy="505344"/>
+            </a:xfrm>
+            <a:prstGeom prst="rect">
+              <a:avLst/>
+            </a:prstGeom>
+            <a:noFill/>
+          </p:spPr>
+          <p:txBody>
+            <a:bodyPr wrap="square" rtlCol="0">
+              <a:spAutoFit/>
+            </a:bodyPr>
+            <a:lstStyle/>
+            <a:p>
+              <a:r>
+                <a:rPr lang="en-US" altLang="zh-CN" dirty="0" smtClean="0"/>
+                <a:t>SQL</a:t>
+              </a:r>
+              <a:r>
+                <a:rPr lang="en-US" dirty="0" smtClean="0"/>
+                <a:t> Software</a:t>
+              </a:r>
+              <a:endParaRPr lang="en-US" dirty="0"/>
+            </a:p>
+          </p:txBody>
+        </p:sp>
+      </p:grpSp>
       <p:sp>
         <p:nvSpPr>
           <p:cNvPr id="21" name="Rounded Rectangle 20"/>
@@ -3386,7 +3415,7 @@
         </p:nvSpPr>
         <p:spPr>
           <a:xfrm>
-            <a:off x="1213945" y="5445485"/>
+            <a:off x="2014045" y="5445485"/>
             <a:ext cx="4014952" cy="705323"/>
           </a:xfrm>
           <a:prstGeom prst="roundRect">
@@ -3424,8 +3453,8 @@
         </p:nvSpPr>
         <p:spPr>
           <a:xfrm>
-            <a:off x="3083429" y="4574481"/>
-            <a:ext cx="334140" cy="464346"/>
+            <a:off x="4255839" y="4086246"/>
+            <a:ext cx="334140" cy="939763"/>
           </a:xfrm>
           <a:prstGeom prst="upDownArrow">
             <a:avLst>
@@ -3467,7 +3496,7 @@
         </p:nvCxnSpPr>
         <p:spPr>
           <a:xfrm flipV="1">
-            <a:off x="190500" y="4743445"/>
+            <a:off x="136213" y="4839093"/>
             <a:ext cx="5994400" cy="6355"/>
           </a:xfrm>
           <a:prstGeom prst="line">
@@ -3506,7 +3535,7 @@
         </p:nvSpPr>
         <p:spPr>
           <a:xfrm>
-            <a:off x="1223797" y="5038827"/>
+            <a:off x="2023897" y="5038827"/>
             <a:ext cx="4005100" cy="350443"/>
           </a:xfrm>
           <a:prstGeom prst="roundRect">
@@ -3548,7 +3577,7 @@
         </p:nvSpPr>
         <p:spPr>
           <a:xfrm>
-            <a:off x="1336082" y="5580528"/>
+            <a:off x="2136182" y="5580528"/>
             <a:ext cx="2118319" cy="369332"/>
           </a:xfrm>
           <a:prstGeom prst="rect">
@@ -3578,7 +3607,7 @@
         </p:nvSpPr>
         <p:spPr>
           <a:xfrm>
-            <a:off x="2743200" y="5536943"/>
+            <a:off x="3543300" y="5536943"/>
             <a:ext cx="2398550" cy="552567"/>
           </a:xfrm>
           <a:prstGeom prst="roundRect">
@@ -3669,7 +3698,7 @@
           <a:p>
             <a:r>
               <a:rPr lang="en-US" dirty="0" smtClean="0"/>
-              <a:t>Processor</a:t>
+              <a:t>Compute</a:t>
             </a:r>
             <a:endParaRPr lang="en-US" dirty="0"/>
           </a:p>
@@ -3683,8 +3712,8 @@
         </p:nvSpPr>
         <p:spPr>
           <a:xfrm>
-            <a:off x="2187268" y="4679017"/>
-            <a:ext cx="950967" cy="369332"/>
+            <a:off x="70219" y="4476116"/>
+            <a:ext cx="2185735" cy="369332"/>
           </a:xfrm>
           <a:prstGeom prst="rect">
             <a:avLst/>
@@ -3699,7 +3728,80 @@
           <a:p>
             <a:r>
               <a:rPr lang="en-US" dirty="0" smtClean="0"/>
-              <a:t>Disk IOs</a:t>
+              <a:t>Storage Network</a:t>
+            </a:r>
+            <a:endParaRPr lang="en-US" dirty="0"/>
+          </a:p>
+        </p:txBody>
+      </p:sp>
+      <p:cxnSp>
+        <p:nvCxnSpPr>
+          <p:cNvPr id="24" name="Straight Connector 23"/>
+          <p:cNvCxnSpPr/>
+          <p:nvPr/>
+        </p:nvCxnSpPr>
+        <p:spPr>
+          <a:xfrm flipV="1">
+            <a:off x="136213" y="4458460"/>
+            <a:ext cx="5994400" cy="6355"/>
+          </a:xfrm>
+          <a:prstGeom prst="line">
+            <a:avLst/>
+          </a:prstGeom>
+          <a:ln w="9525" cap="flat" cmpd="sng" algn="ctr">
+            <a:solidFill>
+              <a:schemeClr val="dk1"/>
+            </a:solidFill>
+            <a:prstDash val="dash"/>
+            <a:round/>
+            <a:headEnd type="none" w="med" len="med"/>
+            <a:tailEnd type="none" w="med" len="med"/>
+          </a:ln>
+        </p:spPr>
+        <p:style>
+          <a:lnRef idx="0">
+            <a:scrgbClr r="0" g="0" b="0"/>
+          </a:lnRef>
+          <a:fillRef idx="0">
+            <a:scrgbClr r="0" g="0" b="0"/>
+          </a:fillRef>
+          <a:effectRef idx="0">
+            <a:scrgbClr r="0" g="0" b="0"/>
+          </a:effectRef>
+          <a:fontRef idx="minor">
+            <a:schemeClr val="tx1"/>
+          </a:fontRef>
+        </p:style>
+      </p:cxnSp>
+      <p:sp>
+        <p:nvSpPr>
+          <p:cNvPr id="26" name="TextBox 25"/>
+          <p:cNvSpPr txBox="1"/>
+          <p:nvPr/>
+        </p:nvSpPr>
+        <p:spPr>
+          <a:xfrm>
+            <a:off x="4499568" y="4476116"/>
+            <a:ext cx="2185735" cy="369332"/>
+          </a:xfrm>
+          <a:prstGeom prst="rect">
+            <a:avLst/>
+          </a:prstGeom>
+          <a:noFill/>
+        </p:spPr>
+        <p:txBody>
+          <a:bodyPr wrap="square" rtlCol="0">
+            <a:spAutoFit/>
+          </a:bodyPr>
+          <a:lstStyle/>
+          <a:p>
+            <a:r>
+              <a:rPr lang="en-US" dirty="0" smtClean="0"/>
+              <a:t>Disk I/</a:t>
+            </a:r>
+            <a:r>
+              <a:rPr lang="en-US" dirty="0" err="1" smtClean="0"/>
+              <a:t>Os</a:t>
             </a:r>
             <a:endParaRPr lang="en-US" dirty="0"/>
           </a:p>
